--- a/Presentations/Python_moduels.pptx
+++ b/Presentations/Python_moduels.pptx
@@ -5,14 +5,18 @@
     <p:sldMasterId id="2147483648" r:id="rId1"/>
   </p:sldMasterIdLst>
   <p:notesMasterIdLst>
-    <p:notesMasterId r:id="rId7"/>
+    <p:notesMasterId r:id="rId11"/>
   </p:notesMasterIdLst>
   <p:sldIdLst>
     <p:sldId id="256" r:id="rId2"/>
     <p:sldId id="257" r:id="rId3"/>
     <p:sldId id="258" r:id="rId4"/>
     <p:sldId id="259" r:id="rId5"/>
-    <p:sldId id="260" r:id="rId6"/>
+    <p:sldId id="261" r:id="rId6"/>
+    <p:sldId id="260" r:id="rId7"/>
+    <p:sldId id="262" r:id="rId8"/>
+    <p:sldId id="263" r:id="rId9"/>
+    <p:sldId id="264" r:id="rId10"/>
   </p:sldIdLst>
   <p:sldSz cx="9144000" cy="6858000" type="screen4x3"/>
   <p:notesSz cx="6858000" cy="9144000"/>
@@ -196,7 +200,8 @@
           <a:p>
             <a:fld id="{73766EC7-0024-4717-90E9-E1BC647B2893}" type="datetimeFigureOut">
               <a:rPr lang="en-US" smtClean="0"/>
-              <a:t>9/26/2019</a:t>
+              <a:pPr/>
+              <a:t>10/10/2019</a:t>
             </a:fld>
             <a:endParaRPr lang="en-US"/>
           </a:p>
@@ -357,6 +362,7 @@
           <a:p>
             <a:fld id="{70D17047-24A5-41ED-83AF-ADAF77FE8BB0}" type="slidenum">
               <a:rPr lang="en-US" smtClean="0"/>
+              <a:pPr/>
               <a:t>‹#›</a:t>
             </a:fld>
             <a:endParaRPr lang="en-US"/>
@@ -642,7 +648,8 @@
           <a:p>
             <a:fld id="{05FDDA2D-6589-43B7-B863-FA52A3204A5E}" type="datetime1">
               <a:rPr lang="en-US" smtClean="0"/>
-              <a:t>9/26/2019</a:t>
+              <a:pPr/>
+              <a:t>10/10/2019</a:t>
             </a:fld>
             <a:endParaRPr lang="en-US"/>
           </a:p>
@@ -684,6 +691,7 @@
           <a:p>
             <a:fld id="{95F062B8-84EB-44FB-890F-8DC151F95B1E}" type="slidenum">
               <a:rPr lang="en-US" smtClean="0"/>
+              <a:pPr/>
               <a:t>‹#›</a:t>
             </a:fld>
             <a:endParaRPr lang="en-US"/>
@@ -807,7 +815,8 @@
           <a:p>
             <a:fld id="{BAB432C5-6AB0-427F-A475-D9EDA5D57B24}" type="datetime1">
               <a:rPr lang="en-US" smtClean="0"/>
-              <a:t>9/26/2019</a:t>
+              <a:pPr/>
+              <a:t>10/10/2019</a:t>
             </a:fld>
             <a:endParaRPr lang="en-US"/>
           </a:p>
@@ -849,6 +858,7 @@
           <a:p>
             <a:fld id="{95F062B8-84EB-44FB-890F-8DC151F95B1E}" type="slidenum">
               <a:rPr lang="en-US" smtClean="0"/>
+              <a:pPr/>
               <a:t>‹#›</a:t>
             </a:fld>
             <a:endParaRPr lang="en-US"/>
@@ -982,7 +992,8 @@
           <a:p>
             <a:fld id="{F3076E56-12C1-4566-A79C-6F4C70D5C29A}" type="datetime1">
               <a:rPr lang="en-US" smtClean="0"/>
-              <a:t>9/26/2019</a:t>
+              <a:pPr/>
+              <a:t>10/10/2019</a:t>
             </a:fld>
             <a:endParaRPr lang="en-US"/>
           </a:p>
@@ -1024,6 +1035,7 @@
           <a:p>
             <a:fld id="{95F062B8-84EB-44FB-890F-8DC151F95B1E}" type="slidenum">
               <a:rPr lang="en-US" smtClean="0"/>
+              <a:pPr/>
               <a:t>‹#›</a:t>
             </a:fld>
             <a:endParaRPr lang="en-US"/>
@@ -1147,7 +1159,8 @@
           <a:p>
             <a:fld id="{BAC345BA-5F8E-4CBC-8F37-42EFFC01827D}" type="datetime1">
               <a:rPr lang="en-US" smtClean="0"/>
-              <a:t>9/26/2019</a:t>
+              <a:pPr/>
+              <a:t>10/10/2019</a:t>
             </a:fld>
             <a:endParaRPr lang="en-US"/>
           </a:p>
@@ -1189,6 +1202,7 @@
           <a:p>
             <a:fld id="{95F062B8-84EB-44FB-890F-8DC151F95B1E}" type="slidenum">
               <a:rPr lang="en-US" smtClean="0"/>
+              <a:pPr/>
               <a:t>‹#›</a:t>
             </a:fld>
             <a:endParaRPr lang="en-US"/>
@@ -1388,7 +1402,8 @@
           <a:p>
             <a:fld id="{227BD98D-ED54-47F6-A853-6B787EF2A1EB}" type="datetime1">
               <a:rPr lang="en-US" smtClean="0"/>
-              <a:t>9/26/2019</a:t>
+              <a:pPr/>
+              <a:t>10/10/2019</a:t>
             </a:fld>
             <a:endParaRPr lang="en-US"/>
           </a:p>
@@ -1430,6 +1445,7 @@
           <a:p>
             <a:fld id="{95F062B8-84EB-44FB-890F-8DC151F95B1E}" type="slidenum">
               <a:rPr lang="en-US" smtClean="0"/>
+              <a:pPr/>
               <a:t>‹#›</a:t>
             </a:fld>
             <a:endParaRPr lang="en-US"/>
@@ -1671,7 +1687,8 @@
           <a:p>
             <a:fld id="{707B64FE-EA23-4AB4-993B-F23B3DC32C94}" type="datetime1">
               <a:rPr lang="en-US" smtClean="0"/>
-              <a:t>9/26/2019</a:t>
+              <a:pPr/>
+              <a:t>10/10/2019</a:t>
             </a:fld>
             <a:endParaRPr lang="en-US"/>
           </a:p>
@@ -1713,6 +1730,7 @@
           <a:p>
             <a:fld id="{95F062B8-84EB-44FB-890F-8DC151F95B1E}" type="slidenum">
               <a:rPr lang="en-US" smtClean="0"/>
+              <a:pPr/>
               <a:t>‹#›</a:t>
             </a:fld>
             <a:endParaRPr lang="en-US"/>
@@ -2088,7 +2106,8 @@
           <a:p>
             <a:fld id="{1BE43FC5-D1BA-4BE4-A460-E2E04D53BE6D}" type="datetime1">
               <a:rPr lang="en-US" smtClean="0"/>
-              <a:t>9/26/2019</a:t>
+              <a:pPr/>
+              <a:t>10/10/2019</a:t>
             </a:fld>
             <a:endParaRPr lang="en-US"/>
           </a:p>
@@ -2130,6 +2149,7 @@
           <a:p>
             <a:fld id="{95F062B8-84EB-44FB-890F-8DC151F95B1E}" type="slidenum">
               <a:rPr lang="en-US" smtClean="0"/>
+              <a:pPr/>
               <a:t>‹#›</a:t>
             </a:fld>
             <a:endParaRPr lang="en-US"/>
@@ -2201,7 +2221,8 @@
           <a:p>
             <a:fld id="{0C14E5C9-7C22-4254-8071-E5E34DD19CD4}" type="datetime1">
               <a:rPr lang="en-US" smtClean="0"/>
-              <a:t>9/26/2019</a:t>
+              <a:pPr/>
+              <a:t>10/10/2019</a:t>
             </a:fld>
             <a:endParaRPr lang="en-US"/>
           </a:p>
@@ -2243,6 +2264,7 @@
           <a:p>
             <a:fld id="{95F062B8-84EB-44FB-890F-8DC151F95B1E}" type="slidenum">
               <a:rPr lang="en-US" smtClean="0"/>
+              <a:pPr/>
               <a:t>‹#›</a:t>
             </a:fld>
             <a:endParaRPr lang="en-US"/>
@@ -2291,7 +2313,8 @@
           <a:p>
             <a:fld id="{B8C57454-0AFC-41A0-8564-BB0D7EB629FE}" type="datetime1">
               <a:rPr lang="en-US" smtClean="0"/>
-              <a:t>9/26/2019</a:t>
+              <a:pPr/>
+              <a:t>10/10/2019</a:t>
             </a:fld>
             <a:endParaRPr lang="en-US"/>
           </a:p>
@@ -2333,6 +2356,7 @@
           <a:p>
             <a:fld id="{95F062B8-84EB-44FB-890F-8DC151F95B1E}" type="slidenum">
               <a:rPr lang="en-US" smtClean="0"/>
+              <a:pPr/>
               <a:t>‹#›</a:t>
             </a:fld>
             <a:endParaRPr lang="en-US"/>
@@ -2563,7 +2587,8 @@
           <a:p>
             <a:fld id="{EA82E490-D3AA-4552-AA91-CC65734B33DB}" type="datetime1">
               <a:rPr lang="en-US" smtClean="0"/>
-              <a:t>9/26/2019</a:t>
+              <a:pPr/>
+              <a:t>10/10/2019</a:t>
             </a:fld>
             <a:endParaRPr lang="en-US"/>
           </a:p>
@@ -2605,6 +2630,7 @@
           <a:p>
             <a:fld id="{95F062B8-84EB-44FB-890F-8DC151F95B1E}" type="slidenum">
               <a:rPr lang="en-US" smtClean="0"/>
+              <a:pPr/>
               <a:t>‹#›</a:t>
             </a:fld>
             <a:endParaRPr lang="en-US"/>
@@ -2811,7 +2837,8 @@
           <a:p>
             <a:fld id="{FC6FA429-9296-46AC-B468-B0DF2C19AFB4}" type="datetime1">
               <a:rPr lang="en-US" smtClean="0"/>
-              <a:t>9/26/2019</a:t>
+              <a:pPr/>
+              <a:t>10/10/2019</a:t>
             </a:fld>
             <a:endParaRPr lang="en-US"/>
           </a:p>
@@ -2853,6 +2880,7 @@
           <a:p>
             <a:fld id="{95F062B8-84EB-44FB-890F-8DC151F95B1E}" type="slidenum">
               <a:rPr lang="en-US" smtClean="0"/>
+              <a:pPr/>
               <a:t>‹#›</a:t>
             </a:fld>
             <a:endParaRPr lang="en-US"/>
@@ -3019,7 +3047,8 @@
           <a:p>
             <a:fld id="{4C5390C9-A26F-4281-AE9C-8E0D2F8AAEF8}" type="datetime1">
               <a:rPr lang="en-US" smtClean="0"/>
-              <a:t>9/26/2019</a:t>
+              <a:pPr/>
+              <a:t>10/10/2019</a:t>
             </a:fld>
             <a:endParaRPr lang="en-US"/>
           </a:p>
@@ -3097,6 +3126,7 @@
           <a:p>
             <a:fld id="{95F062B8-84EB-44FB-890F-8DC151F95B1E}" type="slidenum">
               <a:rPr lang="en-US" smtClean="0"/>
+              <a:pPr/>
               <a:t>‹#›</a:t>
             </a:fld>
             <a:endParaRPr lang="en-US"/>
@@ -3469,6 +3499,7 @@
           <a:p>
             <a:fld id="{95F062B8-84EB-44FB-890F-8DC151F95B1E}" type="slidenum">
               <a:rPr lang="en-US" smtClean="0"/>
+              <a:pPr/>
               <a:t>1</a:t>
             </a:fld>
             <a:endParaRPr lang="en-US"/>
@@ -3600,7 +3631,7 @@
                   <a:srgbClr val="C00000"/>
                 </a:solidFill>
               </a:rPr>
-              <a:t>How to find out all available modules in your system</a:t>
+              <a:t>How to find out all available modules (installed ) in your system</a:t>
             </a:r>
           </a:p>
           <a:p>
@@ -3688,6 +3719,7 @@
           <a:p>
             <a:fld id="{95F062B8-84EB-44FB-890F-8DC151F95B1E}" type="slidenum">
               <a:rPr lang="en-US" smtClean="0"/>
+              <a:pPr/>
               <a:t>2</a:t>
             </a:fld>
             <a:endParaRPr lang="en-US"/>
@@ -3910,6 +3942,7 @@
           <a:p>
             <a:fld id="{95F062B8-84EB-44FB-890F-8DC151F95B1E}" type="slidenum">
               <a:rPr lang="en-US" smtClean="0"/>
+              <a:pPr/>
               <a:t>3</a:t>
             </a:fld>
             <a:endParaRPr lang="en-US"/>
@@ -4203,6 +4236,7 @@
           <a:p>
             <a:fld id="{95F062B8-84EB-44FB-890F-8DC151F95B1E}" type="slidenum">
               <a:rPr lang="en-US" smtClean="0"/>
+              <a:pPr/>
               <a:t>4</a:t>
             </a:fld>
             <a:endParaRPr lang="en-US"/>
@@ -4277,14 +4311,308 @@
       </p:sp>
       <p:sp>
         <p:nvSpPr>
+          <p:cNvPr id="3" name="TextBox 2"/>
+          <p:cNvSpPr txBox="1"/>
+          <p:nvPr/>
+        </p:nvSpPr>
+        <p:spPr>
+          <a:xfrm>
+            <a:off x="152400" y="762000"/>
+            <a:ext cx="8763000" cy="2031325"/>
+          </a:xfrm>
+          <a:prstGeom prst="rect">
+            <a:avLst/>
+          </a:prstGeom>
+          <a:noFill/>
+        </p:spPr>
+        <p:txBody>
+          <a:bodyPr wrap="square" rtlCol="0">
+            <a:spAutoFit/>
+          </a:bodyPr>
+          <a:lstStyle/>
+          <a:p>
+            <a:r>
+              <a:rPr lang="en-US" dirty="0" smtClean="0"/>
+              <a:t>You can import single method/function from any module like this</a:t>
+            </a:r>
+          </a:p>
+          <a:p>
+            <a:endParaRPr lang="en-US" dirty="0" smtClean="0"/>
+          </a:p>
+          <a:p>
+            <a:r>
+              <a:rPr lang="en-US" dirty="0" smtClean="0"/>
+              <a:t>&gt;&gt;&gt;from math import </a:t>
+            </a:r>
+            <a:r>
+              <a:rPr lang="en-US" dirty="0" err="1" smtClean="0"/>
+              <a:t>sqrt</a:t>
+            </a:r>
+            <a:endParaRPr lang="en-US" dirty="0" smtClean="0"/>
+          </a:p>
+          <a:p>
+            <a:endParaRPr lang="en-US" dirty="0" smtClean="0"/>
+          </a:p>
+          <a:p>
+            <a:r>
+              <a:rPr lang="en-US" b="1" dirty="0" smtClean="0">
+                <a:solidFill>
+                  <a:srgbClr val="C00000"/>
+                </a:solidFill>
+              </a:rPr>
+              <a:t>NOTE:</a:t>
+            </a:r>
+            <a:r>
+              <a:rPr lang="en-US" dirty="0" smtClean="0"/>
+              <a:t> Now in this case only </a:t>
+            </a:r>
+            <a:r>
+              <a:rPr lang="en-US" b="1" dirty="0" err="1" smtClean="0"/>
+              <a:t>sqrt</a:t>
+            </a:r>
+            <a:r>
+              <a:rPr lang="en-US" b="1" dirty="0" smtClean="0"/>
+              <a:t>( )</a:t>
+            </a:r>
+            <a:r>
+              <a:rPr lang="en-US" dirty="0" smtClean="0"/>
+              <a:t> function is available to you . This is useful when you need only few functions of that module.</a:t>
+            </a:r>
+          </a:p>
+          <a:p>
+            <a:r>
+              <a:rPr lang="en-US" dirty="0" smtClean="0"/>
+              <a:t>&gt;&gt;&gt;math.sin(x)                        </a:t>
+            </a:r>
+            <a:r>
+              <a:rPr lang="en-US" dirty="0" smtClean="0">
+                <a:solidFill>
+                  <a:srgbClr val="C00000"/>
+                </a:solidFill>
+              </a:rPr>
+              <a:t># now produce error as it is not imported </a:t>
+            </a:r>
+            <a:endParaRPr lang="en-US" dirty="0">
+              <a:solidFill>
+                <a:srgbClr val="C00000"/>
+              </a:solidFill>
+            </a:endParaRPr>
+          </a:p>
+        </p:txBody>
+      </p:sp>
+      <p:sp>
+        <p:nvSpPr>
           <p:cNvPr id="4" name="TextBox 3"/>
           <p:cNvSpPr txBox="1"/>
           <p:nvPr/>
         </p:nvSpPr>
         <p:spPr>
           <a:xfrm>
+            <a:off x="304800" y="3124200"/>
+            <a:ext cx="8534400" cy="1015663"/>
+          </a:xfrm>
+          <a:prstGeom prst="rect">
+            <a:avLst/>
+          </a:prstGeom>
+          <a:noFill/>
+        </p:spPr>
+        <p:txBody>
+          <a:bodyPr wrap="square" rtlCol="0">
+            <a:spAutoFit/>
+          </a:bodyPr>
+          <a:lstStyle/>
+          <a:p>
+            <a:r>
+              <a:rPr lang="en-US" b="1" dirty="0" smtClean="0">
+                <a:solidFill>
+                  <a:srgbClr val="C00000"/>
+                </a:solidFill>
+              </a:rPr>
+              <a:t>How to Know the working of a function/Functionality</a:t>
+            </a:r>
+          </a:p>
+          <a:p>
+            <a:r>
+              <a:rPr lang="en-US" sz="1400" dirty="0" smtClean="0"/>
+              <a:t>In order to find out the functionality of a module function type the following</a:t>
+            </a:r>
+          </a:p>
+          <a:p>
+            <a:r>
+              <a:rPr lang="en-US" sz="1400" dirty="0" smtClean="0"/>
+              <a:t>&gt;&gt;&gt;help(</a:t>
+            </a:r>
+            <a:r>
+              <a:rPr lang="en-US" sz="1400" dirty="0" err="1" smtClean="0"/>
+              <a:t>math.sqrt</a:t>
+            </a:r>
+            <a:r>
+              <a:rPr lang="en-US" sz="1400" dirty="0" smtClean="0"/>
+              <a:t>)</a:t>
+            </a:r>
+          </a:p>
+          <a:p>
+            <a:endParaRPr lang="en-US" sz="1400" dirty="0"/>
+          </a:p>
+        </p:txBody>
+      </p:sp>
+      <p:pic>
+        <p:nvPicPr>
+          <p:cNvPr id="3074" name="Picture 2"/>
+          <p:cNvPicPr>
+            <a:picLocks noChangeAspect="1" noChangeArrowheads="1"/>
+          </p:cNvPicPr>
+          <p:nvPr/>
+        </p:nvPicPr>
+        <p:blipFill>
+          <a:blip r:embed="rId2"/>
+          <a:srcRect/>
+          <a:stretch>
+            <a:fillRect/>
+          </a:stretch>
+        </p:blipFill>
+        <p:spPr bwMode="auto">
+          <a:xfrm>
+            <a:off x="152400" y="2895600"/>
+            <a:ext cx="8763000" cy="3810000"/>
+          </a:xfrm>
+          <a:prstGeom prst="rect">
+            <a:avLst/>
+          </a:prstGeom>
+          <a:noFill/>
+          <a:ln w="9525">
+            <a:noFill/>
+            <a:miter lim="800000"/>
+            <a:headEnd/>
+            <a:tailEnd/>
+          </a:ln>
+          <a:effectLst/>
+        </p:spPr>
+      </p:pic>
+      <p:pic>
+        <p:nvPicPr>
+          <p:cNvPr id="6" name="Picture 5" descr="python_image.png"/>
+          <p:cNvPicPr>
+            <a:picLocks noChangeAspect="1"/>
+          </p:cNvPicPr>
+          <p:nvPr/>
+        </p:nvPicPr>
+        <p:blipFill>
+          <a:blip r:embed="rId3"/>
+          <a:stretch>
+            <a:fillRect/>
+          </a:stretch>
+        </p:blipFill>
+        <p:spPr>
+          <a:xfrm>
+            <a:off x="8458200" y="0"/>
+            <a:ext cx="533400" cy="533400"/>
+          </a:xfrm>
+          <a:prstGeom prst="rect">
+            <a:avLst/>
+          </a:prstGeom>
+        </p:spPr>
+      </p:pic>
+      <p:sp>
+        <p:nvSpPr>
+          <p:cNvPr id="7" name="Slide Number Placeholder 6"/>
+          <p:cNvSpPr>
+            <a:spLocks noGrp="1"/>
+          </p:cNvSpPr>
+          <p:nvPr>
+            <p:ph type="sldNum" sz="quarter" idx="12"/>
+          </p:nvPr>
+        </p:nvSpPr>
+        <p:spPr/>
+        <p:txBody>
+          <a:bodyPr/>
+          <a:lstStyle/>
+          <a:p>
+            <a:fld id="{95F062B8-84EB-44FB-890F-8DC151F95B1E}" type="slidenum">
+              <a:rPr lang="en-US" smtClean="0"/>
+              <a:pPr/>
+              <a:t>5</a:t>
+            </a:fld>
+            <a:endParaRPr lang="en-US"/>
+          </a:p>
+        </p:txBody>
+      </p:sp>
+    </p:spTree>
+  </p:cSld>
+  <p:clrMapOvr>
+    <a:masterClrMapping/>
+  </p:clrMapOvr>
+</p:sld>
+</file>
+
+<file path=ppt/slides/slide6.xml><?xml version="1.0" encoding="utf-8"?>
+<p:sld xmlns:a="http://schemas.openxmlformats.org/drawingml/2006/main" xmlns:r="http://schemas.openxmlformats.org/officeDocument/2006/relationships" xmlns:p="http://schemas.openxmlformats.org/presentationml/2006/main">
+  <p:cSld>
+    <p:spTree>
+      <p:nvGrpSpPr>
+        <p:cNvPr id="1" name=""/>
+        <p:cNvGrpSpPr/>
+        <p:nvPr/>
+      </p:nvGrpSpPr>
+      <p:grpSpPr>
+        <a:xfrm>
+          <a:off x="0" y="0"/>
+          <a:ext cx="0" cy="0"/>
+          <a:chOff x="0" y="0"/>
+          <a:chExt cx="0" cy="0"/>
+        </a:xfrm>
+      </p:grpSpPr>
+      <p:sp>
+        <p:nvSpPr>
+          <p:cNvPr id="2" name="Title 1"/>
+          <p:cNvSpPr>
+            <a:spLocks noGrp="1"/>
+          </p:cNvSpPr>
+          <p:nvPr>
+            <p:ph type="ctrTitle"/>
+          </p:nvPr>
+        </p:nvSpPr>
+        <p:spPr>
+          <a:xfrm>
+            <a:off x="0" y="0"/>
+            <a:ext cx="9144000" cy="533400"/>
+          </a:xfrm>
+          <a:solidFill>
+            <a:schemeClr val="accent2"/>
+          </a:solidFill>
+        </p:spPr>
+        <p:txBody>
+          <a:bodyPr>
+            <a:noAutofit/>
+          </a:bodyPr>
+          <a:lstStyle/>
+          <a:p>
+            <a:r>
+              <a:rPr lang="en-US" sz="3200" b="1" dirty="0" smtClean="0">
+                <a:solidFill>
+                  <a:schemeClr val="bg1"/>
+                </a:solidFill>
+              </a:rPr>
+              <a:t>Python Modules</a:t>
+            </a:r>
+            <a:endParaRPr lang="en-US" sz="3200" b="1" dirty="0">
+              <a:solidFill>
+                <a:schemeClr val="bg1"/>
+              </a:solidFill>
+            </a:endParaRPr>
+          </a:p>
+        </p:txBody>
+      </p:sp>
+      <p:sp>
+        <p:nvSpPr>
+          <p:cNvPr id="4" name="TextBox 3"/>
+          <p:cNvSpPr txBox="1"/>
+          <p:nvPr/>
+        </p:nvSpPr>
+        <p:spPr>
+          <a:xfrm>
             <a:off x="304800" y="762000"/>
-            <a:ext cx="8534400" cy="2339102"/>
+            <a:ext cx="8382000" cy="3385542"/>
           </a:xfrm>
           <a:prstGeom prst="rect">
             <a:avLst/>
@@ -4307,7 +4635,7 @@
             </a:r>
           </a:p>
           <a:p>
-            <a:endParaRPr lang="en-US" b="1" dirty="0">
+            <a:endParaRPr lang="en-US" b="1" dirty="0" smtClean="0">
               <a:solidFill>
                 <a:srgbClr val="C00000"/>
               </a:solidFill>
@@ -4315,8 +4643,21 @@
           </a:p>
           <a:p>
             <a:r>
+              <a:rPr lang="en-US" sz="1400" dirty="0" smtClean="0"/>
+              <a:t>#program to find out factorial of any number n using math function</a:t>
+            </a:r>
+          </a:p>
+          <a:p>
+            <a:endParaRPr lang="en-US" b="1" dirty="0" smtClean="0">
+              <a:solidFill>
+                <a:srgbClr val="C00000"/>
+              </a:solidFill>
+            </a:endParaRPr>
+          </a:p>
+          <a:p>
+            <a:r>
               <a:rPr lang="en-US" sz="1200" dirty="0" smtClean="0"/>
-              <a:t>Import math</a:t>
+              <a:t>import math</a:t>
             </a:r>
           </a:p>
           <a:p>
@@ -4330,73 +4671,78 @@
             </a:r>
             <a:r>
               <a:rPr lang="en-US" sz="1200" dirty="0" smtClean="0"/>
-              <a:t>(input(‘Enter any number :’))</a:t>
+              <a:t>(input('Enter any integer number :'))</a:t>
             </a:r>
           </a:p>
           <a:p>
             <a:r>
               <a:rPr lang="en-US" sz="1200" dirty="0" smtClean="0"/>
-              <a:t>F = </a:t>
+              <a:t>num = </a:t>
+            </a:r>
+            <a:r>
+              <a:rPr lang="en-US" sz="1200" b="1" dirty="0" err="1" smtClean="0">
+                <a:solidFill>
+                  <a:srgbClr val="FF0000"/>
+                </a:solidFill>
+              </a:rPr>
+              <a:t>math.factorial</a:t>
+            </a:r>
+            <a:r>
+              <a:rPr lang="en-US" sz="1200" b="1" dirty="0" smtClean="0">
+                <a:solidFill>
+                  <a:srgbClr val="FF0000"/>
+                </a:solidFill>
+              </a:rPr>
+              <a:t>(n)                  # function is used with module name</a:t>
+            </a:r>
+          </a:p>
+          <a:p>
+            <a:r>
+              <a:rPr lang="en-US" sz="1200" dirty="0" smtClean="0"/>
+              <a:t>print('Factorial of ',</a:t>
             </a:r>
             <a:r>
               <a:rPr lang="en-US" sz="1200" dirty="0" err="1" smtClean="0"/>
-              <a:t>math.fact</a:t>
+              <a:t>n,'is</a:t>
             </a:r>
             <a:r>
               <a:rPr lang="en-US" sz="1200" dirty="0" smtClean="0"/>
-              <a:t>(n)			</a:t>
-            </a:r>
+              <a:t> :',num)</a:t>
+            </a:r>
+          </a:p>
+          <a:p>
+            <a:endParaRPr lang="en-US" sz="1200" dirty="0" smtClean="0"/>
+          </a:p>
+          <a:p>
+            <a:endParaRPr lang="en-US" sz="1200" dirty="0" smtClean="0"/>
+          </a:p>
+          <a:p>
+            <a:endParaRPr lang="en-US" sz="1200" dirty="0" smtClean="0"/>
+          </a:p>
+          <a:p>
             <a:r>
               <a:rPr lang="en-US" sz="1200" dirty="0" smtClean="0">
                 <a:solidFill>
-                  <a:srgbClr val="C00000"/>
-                </a:solidFill>
-              </a:rPr>
-              <a:t># fact is a function defined in math module.</a:t>
-            </a:r>
-          </a:p>
-          <a:p>
-            <a:r>
-              <a:rPr lang="en-US" sz="1200" dirty="0" smtClean="0"/>
-              <a:t>Print(‘Factorial </a:t>
-            </a:r>
-            <a:r>
-              <a:rPr lang="en-US" sz="1200" dirty="0" err="1" smtClean="0"/>
-              <a:t>of’,n</a:t>
-            </a:r>
-            <a:r>
-              <a:rPr lang="en-US" sz="1200" dirty="0" smtClean="0"/>
-              <a:t>,’ is :’,F) </a:t>
-            </a:r>
-          </a:p>
-          <a:p>
-            <a:endParaRPr lang="en-US" sz="1200" dirty="0"/>
-          </a:p>
-          <a:p>
-            <a:r>
-              <a:rPr lang="en-US" sz="1200" b="1" dirty="0" smtClean="0">
-                <a:solidFill>
-                  <a:srgbClr val="C00000"/>
+                  <a:srgbClr val="FF0000"/>
                 </a:solidFill>
               </a:rPr>
               <a:t>OUTPUT</a:t>
             </a:r>
+          </a:p>
+          <a:p>
             <a:r>
               <a:rPr lang="en-US" sz="1200" dirty="0" smtClean="0"/>
-              <a:t> </a:t>
+              <a:t>Enter any integer number :23</a:t>
             </a:r>
           </a:p>
           <a:p>
             <a:r>
               <a:rPr lang="en-US" sz="1200" dirty="0" smtClean="0"/>
-              <a:t>Enter any number  : 6</a:t>
-            </a:r>
-          </a:p>
-          <a:p>
-            <a:r>
-              <a:rPr lang="en-US" sz="1200" dirty="0" smtClean="0"/>
-              <a:t>Factorial of 6 is : 720</a:t>
-            </a:r>
+              <a:t>Factorial of  23 is : 25852016738884976640000</a:t>
+            </a:r>
+          </a:p>
+          <a:p>
+            <a:endParaRPr lang="en-US" sz="1200" dirty="0" smtClean="0"/>
           </a:p>
           <a:p>
             <a:endParaRPr lang="en-US" sz="1400" dirty="0"/>
@@ -4444,9 +4790,929 @@
           <a:p>
             <a:fld id="{95F062B8-84EB-44FB-890F-8DC151F95B1E}" type="slidenum">
               <a:rPr lang="en-US" smtClean="0"/>
-              <a:t>5</a:t>
+              <a:pPr/>
+              <a:t>6</a:t>
             </a:fld>
-            <a:endParaRPr lang="en-US"/>
+            <a:endParaRPr lang="en-US" dirty="0"/>
+          </a:p>
+        </p:txBody>
+      </p:sp>
+      <p:sp>
+        <p:nvSpPr>
+          <p:cNvPr id="10" name="TextBox 9"/>
+          <p:cNvSpPr txBox="1"/>
+          <p:nvPr/>
+        </p:nvSpPr>
+        <p:spPr>
+          <a:xfrm>
+            <a:off x="4572000" y="4572000"/>
+            <a:ext cx="4343400" cy="1477328"/>
+          </a:xfrm>
+          <a:prstGeom prst="rect">
+            <a:avLst/>
+          </a:prstGeom>
+          <a:solidFill>
+            <a:srgbClr val="FFCCCC"/>
+          </a:solidFill>
+        </p:spPr>
+        <p:txBody>
+          <a:bodyPr wrap="square" rtlCol="0">
+            <a:spAutoFit/>
+          </a:bodyPr>
+          <a:lstStyle/>
+          <a:p>
+            <a:r>
+              <a:rPr lang="en-US" dirty="0" smtClean="0"/>
+              <a:t>import  </a:t>
+            </a:r>
+            <a:r>
+              <a:rPr lang="en-US" dirty="0" err="1" smtClean="0">
+                <a:solidFill>
+                  <a:srgbClr val="C00000"/>
+                </a:solidFill>
+              </a:rPr>
+              <a:t>math.factorial</a:t>
+            </a:r>
+            <a:endParaRPr lang="en-US" dirty="0" smtClean="0">
+              <a:solidFill>
+                <a:srgbClr val="C00000"/>
+              </a:solidFill>
+            </a:endParaRPr>
+          </a:p>
+          <a:p>
+            <a:r>
+              <a:rPr lang="en-US" dirty="0" smtClean="0"/>
+              <a:t>n = </a:t>
+            </a:r>
+            <a:r>
+              <a:rPr lang="en-US" dirty="0" err="1" smtClean="0"/>
+              <a:t>int</a:t>
+            </a:r>
+            <a:r>
+              <a:rPr lang="en-US" dirty="0" smtClean="0"/>
+              <a:t>(input('Enter any integer number :'))</a:t>
+            </a:r>
+          </a:p>
+          <a:p>
+            <a:r>
+              <a:rPr lang="en-US" dirty="0" smtClean="0"/>
+              <a:t>num = </a:t>
+            </a:r>
+            <a:r>
+              <a:rPr lang="en-US" b="1" dirty="0" smtClean="0">
+                <a:solidFill>
+                  <a:srgbClr val="FF0000"/>
+                </a:solidFill>
+              </a:rPr>
+              <a:t>factorial(n) </a:t>
+            </a:r>
+          </a:p>
+          <a:p>
+            <a:r>
+              <a:rPr lang="en-US" dirty="0" smtClean="0"/>
+              <a:t>print('Factorial of ',</a:t>
+            </a:r>
+            <a:r>
+              <a:rPr lang="en-US" dirty="0" err="1" smtClean="0"/>
+              <a:t>n,'is</a:t>
+            </a:r>
+            <a:r>
+              <a:rPr lang="en-US" dirty="0" smtClean="0"/>
+              <a:t> :',num)</a:t>
+            </a:r>
+          </a:p>
+          <a:p>
+            <a:endParaRPr lang="en-US" dirty="0"/>
+          </a:p>
+        </p:txBody>
+      </p:sp>
+      <p:sp>
+        <p:nvSpPr>
+          <p:cNvPr id="12" name="TextBox 11"/>
+          <p:cNvSpPr txBox="1"/>
+          <p:nvPr/>
+        </p:nvSpPr>
+        <p:spPr>
+          <a:xfrm>
+            <a:off x="228600" y="4572000"/>
+            <a:ext cx="4191000" cy="1477328"/>
+          </a:xfrm>
+          <a:prstGeom prst="rect">
+            <a:avLst/>
+          </a:prstGeom>
+          <a:solidFill>
+            <a:schemeClr val="tx2">
+              <a:lumMod val="20000"/>
+              <a:lumOff val="80000"/>
+            </a:schemeClr>
+          </a:solidFill>
+        </p:spPr>
+        <p:txBody>
+          <a:bodyPr wrap="square" rtlCol="0">
+            <a:spAutoFit/>
+          </a:bodyPr>
+          <a:lstStyle/>
+          <a:p>
+            <a:r>
+              <a:rPr lang="en-US" dirty="0" smtClean="0">
+                <a:solidFill>
+                  <a:srgbClr val="C00000"/>
+                </a:solidFill>
+              </a:rPr>
+              <a:t>import  math as m</a:t>
+            </a:r>
+          </a:p>
+          <a:p>
+            <a:r>
+              <a:rPr lang="en-US" dirty="0" smtClean="0"/>
+              <a:t>n = </a:t>
+            </a:r>
+            <a:r>
+              <a:rPr lang="en-US" dirty="0" err="1" smtClean="0"/>
+              <a:t>int</a:t>
+            </a:r>
+            <a:r>
+              <a:rPr lang="en-US" dirty="0" smtClean="0"/>
+              <a:t>(input('Enter any integer number :'))</a:t>
+            </a:r>
+          </a:p>
+          <a:p>
+            <a:r>
+              <a:rPr lang="en-US" dirty="0" smtClean="0"/>
+              <a:t>num = </a:t>
+            </a:r>
+            <a:r>
+              <a:rPr lang="en-US" dirty="0" err="1" smtClean="0">
+                <a:solidFill>
+                  <a:srgbClr val="C00000"/>
+                </a:solidFill>
+              </a:rPr>
+              <a:t>m.factorial</a:t>
+            </a:r>
+            <a:r>
+              <a:rPr lang="en-US" dirty="0" smtClean="0">
+                <a:solidFill>
+                  <a:srgbClr val="C00000"/>
+                </a:solidFill>
+              </a:rPr>
+              <a:t>(n) </a:t>
+            </a:r>
+          </a:p>
+          <a:p>
+            <a:r>
+              <a:rPr lang="en-US" dirty="0" smtClean="0"/>
+              <a:t>print('Factorial of ',</a:t>
+            </a:r>
+            <a:r>
+              <a:rPr lang="en-US" dirty="0" err="1" smtClean="0"/>
+              <a:t>n,'is</a:t>
+            </a:r>
+            <a:r>
+              <a:rPr lang="en-US" dirty="0" smtClean="0"/>
+              <a:t> :',num)</a:t>
+            </a:r>
+          </a:p>
+          <a:p>
+            <a:endParaRPr lang="en-US" dirty="0"/>
+          </a:p>
+        </p:txBody>
+      </p:sp>
+    </p:spTree>
+  </p:cSld>
+  <p:clrMapOvr>
+    <a:masterClrMapping/>
+  </p:clrMapOvr>
+</p:sld>
+</file>
+
+<file path=ppt/slides/slide7.xml><?xml version="1.0" encoding="utf-8"?>
+<p:sld xmlns:a="http://schemas.openxmlformats.org/drawingml/2006/main" xmlns:r="http://schemas.openxmlformats.org/officeDocument/2006/relationships" xmlns:p="http://schemas.openxmlformats.org/presentationml/2006/main">
+  <p:cSld>
+    <p:spTree>
+      <p:nvGrpSpPr>
+        <p:cNvPr id="1" name=""/>
+        <p:cNvGrpSpPr/>
+        <p:nvPr/>
+      </p:nvGrpSpPr>
+      <p:grpSpPr>
+        <a:xfrm>
+          <a:off x="0" y="0"/>
+          <a:ext cx="0" cy="0"/>
+          <a:chOff x="0" y="0"/>
+          <a:chExt cx="0" cy="0"/>
+        </a:xfrm>
+      </p:grpSpPr>
+      <p:sp>
+        <p:nvSpPr>
+          <p:cNvPr id="2" name="Title 1"/>
+          <p:cNvSpPr>
+            <a:spLocks noGrp="1"/>
+          </p:cNvSpPr>
+          <p:nvPr>
+            <p:ph type="ctrTitle"/>
+          </p:nvPr>
+        </p:nvSpPr>
+        <p:spPr>
+          <a:xfrm>
+            <a:off x="0" y="0"/>
+            <a:ext cx="9144000" cy="533400"/>
+          </a:xfrm>
+          <a:solidFill>
+            <a:schemeClr val="accent2"/>
+          </a:solidFill>
+        </p:spPr>
+        <p:txBody>
+          <a:bodyPr>
+            <a:noAutofit/>
+          </a:bodyPr>
+          <a:lstStyle/>
+          <a:p>
+            <a:r>
+              <a:rPr lang="en-US" sz="3200" b="1" dirty="0" smtClean="0">
+                <a:solidFill>
+                  <a:schemeClr val="bg1"/>
+                </a:solidFill>
+              </a:rPr>
+              <a:t>Python Modules</a:t>
+            </a:r>
+            <a:endParaRPr lang="en-US" sz="3200" b="1" dirty="0">
+              <a:solidFill>
+                <a:schemeClr val="bg1"/>
+              </a:solidFill>
+            </a:endParaRPr>
+          </a:p>
+        </p:txBody>
+      </p:sp>
+      <p:pic>
+        <p:nvPicPr>
+          <p:cNvPr id="6" name="Picture 5" descr="python_image.png"/>
+          <p:cNvPicPr>
+            <a:picLocks noChangeAspect="1"/>
+          </p:cNvPicPr>
+          <p:nvPr/>
+        </p:nvPicPr>
+        <p:blipFill>
+          <a:blip r:embed="rId2"/>
+          <a:stretch>
+            <a:fillRect/>
+          </a:stretch>
+        </p:blipFill>
+        <p:spPr>
+          <a:xfrm>
+            <a:off x="8458200" y="0"/>
+            <a:ext cx="533400" cy="533400"/>
+          </a:xfrm>
+          <a:prstGeom prst="rect">
+            <a:avLst/>
+          </a:prstGeom>
+        </p:spPr>
+      </p:pic>
+      <p:sp>
+        <p:nvSpPr>
+          <p:cNvPr id="7" name="Slide Number Placeholder 6"/>
+          <p:cNvSpPr>
+            <a:spLocks noGrp="1"/>
+          </p:cNvSpPr>
+          <p:nvPr>
+            <p:ph type="sldNum" sz="quarter" idx="12"/>
+          </p:nvPr>
+        </p:nvSpPr>
+        <p:spPr/>
+        <p:txBody>
+          <a:bodyPr/>
+          <a:lstStyle/>
+          <a:p>
+            <a:fld id="{95F062B8-84EB-44FB-890F-8DC151F95B1E}" type="slidenum">
+              <a:rPr lang="en-US" smtClean="0"/>
+              <a:pPr/>
+              <a:t>7</a:t>
+            </a:fld>
+            <a:endParaRPr lang="en-US" dirty="0"/>
+          </a:p>
+        </p:txBody>
+      </p:sp>
+      <p:sp>
+        <p:nvSpPr>
+          <p:cNvPr id="8" name="TextBox 7"/>
+          <p:cNvSpPr txBox="1"/>
+          <p:nvPr/>
+        </p:nvSpPr>
+        <p:spPr>
+          <a:xfrm>
+            <a:off x="381000" y="914400"/>
+            <a:ext cx="8534400" cy="5078313"/>
+          </a:xfrm>
+          <a:prstGeom prst="rect">
+            <a:avLst/>
+          </a:prstGeom>
+          <a:noFill/>
+        </p:spPr>
+        <p:txBody>
+          <a:bodyPr wrap="square" rtlCol="0">
+            <a:spAutoFit/>
+          </a:bodyPr>
+          <a:lstStyle/>
+          <a:p>
+            <a:r>
+              <a:rPr lang="en-US" b="1" dirty="0" smtClean="0"/>
+              <a:t>few important math module function</a:t>
+            </a:r>
+          </a:p>
+          <a:p>
+            <a:endParaRPr lang="en-US" dirty="0" smtClean="0"/>
+          </a:p>
+          <a:p>
+            <a:r>
+              <a:rPr lang="en-US" dirty="0" smtClean="0"/>
+              <a:t>import math as m</a:t>
+            </a:r>
+          </a:p>
+          <a:p>
+            <a:r>
+              <a:rPr lang="en-US" dirty="0" smtClean="0"/>
+              <a:t>p= m.pow(3,4)</a:t>
+            </a:r>
+          </a:p>
+          <a:p>
+            <a:r>
+              <a:rPr lang="en-US" dirty="0" smtClean="0"/>
+              <a:t>print(p)</a:t>
+            </a:r>
+          </a:p>
+          <a:p>
+            <a:endParaRPr lang="en-US" dirty="0" smtClean="0"/>
+          </a:p>
+          <a:p>
+            <a:r>
+              <a:rPr lang="en-US" dirty="0" smtClean="0"/>
+              <a:t>c = </a:t>
+            </a:r>
+            <a:r>
+              <a:rPr lang="en-US" dirty="0" err="1" smtClean="0"/>
+              <a:t>m.ceil</a:t>
+            </a:r>
+            <a:r>
+              <a:rPr lang="en-US" dirty="0" smtClean="0"/>
+              <a:t>(3.78)</a:t>
+            </a:r>
+          </a:p>
+          <a:p>
+            <a:r>
+              <a:rPr lang="en-US" dirty="0" smtClean="0"/>
+              <a:t>print(n)</a:t>
+            </a:r>
+          </a:p>
+          <a:p>
+            <a:endParaRPr lang="en-US" dirty="0" smtClean="0"/>
+          </a:p>
+          <a:p>
+            <a:r>
+              <a:rPr lang="en-US" dirty="0" smtClean="0"/>
+              <a:t>f = </a:t>
+            </a:r>
+            <a:r>
+              <a:rPr lang="en-US" dirty="0" err="1" smtClean="0"/>
+              <a:t>m.floor</a:t>
+            </a:r>
+            <a:r>
+              <a:rPr lang="en-US" dirty="0" smtClean="0"/>
+              <a:t>(3.78)</a:t>
+            </a:r>
+          </a:p>
+          <a:p>
+            <a:r>
+              <a:rPr lang="en-US" dirty="0" smtClean="0"/>
+              <a:t>print(f)</a:t>
+            </a:r>
+          </a:p>
+          <a:p>
+            <a:endParaRPr lang="en-US" dirty="0" smtClean="0"/>
+          </a:p>
+          <a:p>
+            <a:r>
+              <a:rPr lang="en-US" dirty="0" smtClean="0"/>
+              <a:t>result = </a:t>
+            </a:r>
+            <a:r>
+              <a:rPr lang="en-US" dirty="0" err="1" smtClean="0"/>
+              <a:t>m.sqrt</a:t>
+            </a:r>
+            <a:r>
+              <a:rPr lang="en-US" dirty="0" smtClean="0"/>
+              <a:t>(64)</a:t>
+            </a:r>
+          </a:p>
+          <a:p>
+            <a:r>
+              <a:rPr lang="en-US" dirty="0" smtClean="0"/>
+              <a:t>print(result)</a:t>
+            </a:r>
+          </a:p>
+          <a:p>
+            <a:endParaRPr lang="en-US" dirty="0" smtClean="0"/>
+          </a:p>
+          <a:p>
+            <a:r>
+              <a:rPr lang="en-US" dirty="0" smtClean="0"/>
+              <a:t>result1= </a:t>
+            </a:r>
+            <a:r>
+              <a:rPr lang="en-US" dirty="0" err="1" smtClean="0"/>
+              <a:t>m.fabs</a:t>
+            </a:r>
+            <a:r>
+              <a:rPr lang="en-US" dirty="0" smtClean="0"/>
+              <a:t>(-4.1234)</a:t>
+            </a:r>
+          </a:p>
+          <a:p>
+            <a:r>
+              <a:rPr lang="en-US" dirty="0" smtClean="0"/>
+              <a:t>print(result1)</a:t>
+            </a:r>
+          </a:p>
+          <a:p>
+            <a:endParaRPr lang="en-US" dirty="0"/>
+          </a:p>
+        </p:txBody>
+      </p:sp>
+    </p:spTree>
+  </p:cSld>
+  <p:clrMapOvr>
+    <a:masterClrMapping/>
+  </p:clrMapOvr>
+</p:sld>
+</file>
+
+<file path=ppt/slides/slide8.xml><?xml version="1.0" encoding="utf-8"?>
+<p:sld xmlns:a="http://schemas.openxmlformats.org/drawingml/2006/main" xmlns:r="http://schemas.openxmlformats.org/officeDocument/2006/relationships" xmlns:p="http://schemas.openxmlformats.org/presentationml/2006/main">
+  <p:cSld>
+    <p:spTree>
+      <p:nvGrpSpPr>
+        <p:cNvPr id="1" name=""/>
+        <p:cNvGrpSpPr/>
+        <p:nvPr/>
+      </p:nvGrpSpPr>
+      <p:grpSpPr>
+        <a:xfrm>
+          <a:off x="0" y="0"/>
+          <a:ext cx="0" cy="0"/>
+          <a:chOff x="0" y="0"/>
+          <a:chExt cx="0" cy="0"/>
+        </a:xfrm>
+      </p:grpSpPr>
+      <p:sp>
+        <p:nvSpPr>
+          <p:cNvPr id="2" name="Title 1"/>
+          <p:cNvSpPr>
+            <a:spLocks noGrp="1"/>
+          </p:cNvSpPr>
+          <p:nvPr>
+            <p:ph type="ctrTitle"/>
+          </p:nvPr>
+        </p:nvSpPr>
+        <p:spPr>
+          <a:xfrm>
+            <a:off x="0" y="0"/>
+            <a:ext cx="9144000" cy="533400"/>
+          </a:xfrm>
+          <a:solidFill>
+            <a:schemeClr val="accent2"/>
+          </a:solidFill>
+        </p:spPr>
+        <p:txBody>
+          <a:bodyPr>
+            <a:noAutofit/>
+          </a:bodyPr>
+          <a:lstStyle/>
+          <a:p>
+            <a:r>
+              <a:rPr lang="en-US" sz="3200" b="1" dirty="0" smtClean="0">
+                <a:solidFill>
+                  <a:schemeClr val="bg1"/>
+                </a:solidFill>
+              </a:rPr>
+              <a:t>Python Module - random</a:t>
+            </a:r>
+            <a:endParaRPr lang="en-US" sz="3200" b="1" dirty="0">
+              <a:solidFill>
+                <a:schemeClr val="bg1"/>
+              </a:solidFill>
+            </a:endParaRPr>
+          </a:p>
+        </p:txBody>
+      </p:sp>
+      <p:pic>
+        <p:nvPicPr>
+          <p:cNvPr id="6" name="Picture 5" descr="python_image.png"/>
+          <p:cNvPicPr>
+            <a:picLocks noChangeAspect="1"/>
+          </p:cNvPicPr>
+          <p:nvPr/>
+        </p:nvPicPr>
+        <p:blipFill>
+          <a:blip r:embed="rId2"/>
+          <a:stretch>
+            <a:fillRect/>
+          </a:stretch>
+        </p:blipFill>
+        <p:spPr>
+          <a:xfrm>
+            <a:off x="8458200" y="0"/>
+            <a:ext cx="533400" cy="533400"/>
+          </a:xfrm>
+          <a:prstGeom prst="rect">
+            <a:avLst/>
+          </a:prstGeom>
+        </p:spPr>
+      </p:pic>
+      <p:sp>
+        <p:nvSpPr>
+          <p:cNvPr id="7" name="Slide Number Placeholder 6"/>
+          <p:cNvSpPr>
+            <a:spLocks noGrp="1"/>
+          </p:cNvSpPr>
+          <p:nvPr>
+            <p:ph type="sldNum" sz="quarter" idx="12"/>
+          </p:nvPr>
+        </p:nvSpPr>
+        <p:spPr/>
+        <p:txBody>
+          <a:bodyPr/>
+          <a:lstStyle/>
+          <a:p>
+            <a:fld id="{95F062B8-84EB-44FB-890F-8DC151F95B1E}" type="slidenum">
+              <a:rPr lang="en-US" smtClean="0"/>
+              <a:pPr/>
+              <a:t>8</a:t>
+            </a:fld>
+            <a:endParaRPr lang="en-US" dirty="0"/>
+          </a:p>
+        </p:txBody>
+      </p:sp>
+      <p:sp>
+        <p:nvSpPr>
+          <p:cNvPr id="8" name="TextBox 7"/>
+          <p:cNvSpPr txBox="1"/>
+          <p:nvPr/>
+        </p:nvSpPr>
+        <p:spPr>
+          <a:xfrm>
+            <a:off x="381000" y="914400"/>
+            <a:ext cx="8534400" cy="3416320"/>
+          </a:xfrm>
+          <a:prstGeom prst="rect">
+            <a:avLst/>
+          </a:prstGeom>
+          <a:noFill/>
+        </p:spPr>
+        <p:txBody>
+          <a:bodyPr wrap="square" rtlCol="0">
+            <a:spAutoFit/>
+          </a:bodyPr>
+          <a:lstStyle/>
+          <a:p>
+            <a:r>
+              <a:rPr lang="en-US" b="1" dirty="0" smtClean="0"/>
+              <a:t>few important </a:t>
+            </a:r>
+            <a:r>
+              <a:rPr lang="en-US" b="1" dirty="0" smtClean="0">
+                <a:solidFill>
+                  <a:srgbClr val="C00000"/>
+                </a:solidFill>
+              </a:rPr>
+              <a:t>random</a:t>
+            </a:r>
+            <a:r>
+              <a:rPr lang="en-US" b="1" dirty="0" smtClean="0"/>
+              <a:t> module function</a:t>
+            </a:r>
+          </a:p>
+          <a:p>
+            <a:endParaRPr lang="en-US" dirty="0" smtClean="0"/>
+          </a:p>
+          <a:p>
+            <a:r>
+              <a:rPr lang="en-US" dirty="0" smtClean="0"/>
+              <a:t>import random as r</a:t>
+            </a:r>
+          </a:p>
+          <a:p>
+            <a:r>
+              <a:rPr lang="en-US" dirty="0" smtClean="0"/>
+              <a:t>p= </a:t>
+            </a:r>
+            <a:r>
+              <a:rPr lang="en-US" dirty="0" err="1" smtClean="0"/>
+              <a:t>r.random</a:t>
+            </a:r>
+            <a:r>
+              <a:rPr lang="en-US" dirty="0" smtClean="0"/>
+              <a:t>()</a:t>
+            </a:r>
+          </a:p>
+          <a:p>
+            <a:r>
+              <a:rPr lang="en-US" dirty="0" smtClean="0"/>
+              <a:t>print(p)</a:t>
+            </a:r>
+          </a:p>
+          <a:p>
+            <a:endParaRPr lang="en-US" dirty="0" smtClean="0"/>
+          </a:p>
+          <a:p>
+            <a:r>
+              <a:rPr lang="en-US" dirty="0" smtClean="0"/>
+              <a:t>c = </a:t>
+            </a:r>
+            <a:r>
+              <a:rPr lang="en-US" dirty="0" err="1" smtClean="0"/>
+              <a:t>r.randint</a:t>
+            </a:r>
+            <a:r>
+              <a:rPr lang="en-US" dirty="0" smtClean="0"/>
+              <a:t>(1,10</a:t>
+            </a:r>
+            <a:r>
+              <a:rPr lang="en-US" dirty="0" smtClean="0"/>
+              <a:t>)</a:t>
+            </a:r>
+          </a:p>
+          <a:p>
+            <a:r>
+              <a:rPr lang="en-US" dirty="0" smtClean="0"/>
+              <a:t>print(n)</a:t>
+            </a:r>
+          </a:p>
+          <a:p>
+            <a:endParaRPr lang="en-US" dirty="0" smtClean="0"/>
+          </a:p>
+          <a:p>
+            <a:r>
+              <a:rPr lang="en-US" dirty="0" smtClean="0"/>
+              <a:t>f = </a:t>
+            </a:r>
+            <a:r>
+              <a:rPr lang="en-US" dirty="0" err="1" smtClean="0"/>
+              <a:t>r.randrange</a:t>
+            </a:r>
+            <a:r>
+              <a:rPr lang="en-US" dirty="0" smtClean="0"/>
+              <a:t>(1,20,2</a:t>
+            </a:r>
+            <a:r>
+              <a:rPr lang="en-US" dirty="0" smtClean="0"/>
+              <a:t>)</a:t>
+            </a:r>
+          </a:p>
+          <a:p>
+            <a:r>
+              <a:rPr lang="en-US" dirty="0" smtClean="0"/>
+              <a:t>print(f)</a:t>
+            </a:r>
+          </a:p>
+          <a:p>
+            <a:endParaRPr lang="en-US" dirty="0" smtClean="0"/>
+          </a:p>
+        </p:txBody>
+      </p:sp>
+    </p:spTree>
+  </p:cSld>
+  <p:clrMapOvr>
+    <a:masterClrMapping/>
+  </p:clrMapOvr>
+</p:sld>
+</file>
+
+<file path=ppt/slides/slide9.xml><?xml version="1.0" encoding="utf-8"?>
+<p:sld xmlns:a="http://schemas.openxmlformats.org/drawingml/2006/main" xmlns:r="http://schemas.openxmlformats.org/officeDocument/2006/relationships" xmlns:p="http://schemas.openxmlformats.org/presentationml/2006/main">
+  <p:cSld>
+    <p:spTree>
+      <p:nvGrpSpPr>
+        <p:cNvPr id="1" name=""/>
+        <p:cNvGrpSpPr/>
+        <p:nvPr/>
+      </p:nvGrpSpPr>
+      <p:grpSpPr>
+        <a:xfrm>
+          <a:off x="0" y="0"/>
+          <a:ext cx="0" cy="0"/>
+          <a:chOff x="0" y="0"/>
+          <a:chExt cx="0" cy="0"/>
+        </a:xfrm>
+      </p:grpSpPr>
+      <p:sp>
+        <p:nvSpPr>
+          <p:cNvPr id="2" name="Title 1"/>
+          <p:cNvSpPr>
+            <a:spLocks noGrp="1"/>
+          </p:cNvSpPr>
+          <p:nvPr>
+            <p:ph type="ctrTitle"/>
+          </p:nvPr>
+        </p:nvSpPr>
+        <p:spPr>
+          <a:xfrm>
+            <a:off x="0" y="0"/>
+            <a:ext cx="9144000" cy="533400"/>
+          </a:xfrm>
+          <a:solidFill>
+            <a:schemeClr val="accent2"/>
+          </a:solidFill>
+        </p:spPr>
+        <p:txBody>
+          <a:bodyPr>
+            <a:noAutofit/>
+          </a:bodyPr>
+          <a:lstStyle/>
+          <a:p>
+            <a:r>
+              <a:rPr lang="en-US" sz="3200" b="1" dirty="0" smtClean="0">
+                <a:solidFill>
+                  <a:schemeClr val="bg1"/>
+                </a:solidFill>
+              </a:rPr>
+              <a:t>Python Module - statistics</a:t>
+            </a:r>
+            <a:endParaRPr lang="en-US" sz="3200" b="1" dirty="0">
+              <a:solidFill>
+                <a:schemeClr val="bg1"/>
+              </a:solidFill>
+            </a:endParaRPr>
+          </a:p>
+        </p:txBody>
+      </p:sp>
+      <p:pic>
+        <p:nvPicPr>
+          <p:cNvPr id="6" name="Picture 5" descr="python_image.png"/>
+          <p:cNvPicPr>
+            <a:picLocks noChangeAspect="1"/>
+          </p:cNvPicPr>
+          <p:nvPr/>
+        </p:nvPicPr>
+        <p:blipFill>
+          <a:blip r:embed="rId2"/>
+          <a:stretch>
+            <a:fillRect/>
+          </a:stretch>
+        </p:blipFill>
+        <p:spPr>
+          <a:xfrm>
+            <a:off x="8458200" y="0"/>
+            <a:ext cx="533400" cy="533400"/>
+          </a:xfrm>
+          <a:prstGeom prst="rect">
+            <a:avLst/>
+          </a:prstGeom>
+        </p:spPr>
+      </p:pic>
+      <p:sp>
+        <p:nvSpPr>
+          <p:cNvPr id="7" name="Slide Number Placeholder 6"/>
+          <p:cNvSpPr>
+            <a:spLocks noGrp="1"/>
+          </p:cNvSpPr>
+          <p:nvPr>
+            <p:ph type="sldNum" sz="quarter" idx="12"/>
+          </p:nvPr>
+        </p:nvSpPr>
+        <p:spPr/>
+        <p:txBody>
+          <a:bodyPr/>
+          <a:lstStyle/>
+          <a:p>
+            <a:fld id="{95F062B8-84EB-44FB-890F-8DC151F95B1E}" type="slidenum">
+              <a:rPr lang="en-US" smtClean="0"/>
+              <a:pPr/>
+              <a:t>9</a:t>
+            </a:fld>
+            <a:endParaRPr lang="en-US" dirty="0"/>
+          </a:p>
+        </p:txBody>
+      </p:sp>
+      <p:sp>
+        <p:nvSpPr>
+          <p:cNvPr id="8" name="TextBox 7"/>
+          <p:cNvSpPr txBox="1"/>
+          <p:nvPr/>
+        </p:nvSpPr>
+        <p:spPr>
+          <a:xfrm>
+            <a:off x="381000" y="914400"/>
+            <a:ext cx="8534400" cy="3970318"/>
+          </a:xfrm>
+          <a:prstGeom prst="rect">
+            <a:avLst/>
+          </a:prstGeom>
+          <a:noFill/>
+        </p:spPr>
+        <p:txBody>
+          <a:bodyPr wrap="square" rtlCol="0">
+            <a:spAutoFit/>
+          </a:bodyPr>
+          <a:lstStyle/>
+          <a:p>
+            <a:r>
+              <a:rPr lang="en-US" b="1" dirty="0" smtClean="0"/>
+              <a:t>few important </a:t>
+            </a:r>
+            <a:r>
+              <a:rPr lang="en-US" b="1" dirty="0" smtClean="0">
+                <a:solidFill>
+                  <a:srgbClr val="C00000"/>
+                </a:solidFill>
+              </a:rPr>
+              <a:t>random</a:t>
+            </a:r>
+            <a:r>
+              <a:rPr lang="en-US" b="1" dirty="0" smtClean="0"/>
+              <a:t> module function</a:t>
+            </a:r>
+          </a:p>
+          <a:p>
+            <a:endParaRPr lang="en-US" dirty="0" smtClean="0"/>
+          </a:p>
+          <a:p>
+            <a:r>
+              <a:rPr lang="en-US" dirty="0" smtClean="0"/>
+              <a:t>import statistics as s</a:t>
+            </a:r>
+          </a:p>
+          <a:p>
+            <a:endParaRPr lang="en-US" dirty="0" smtClean="0"/>
+          </a:p>
+          <a:p>
+            <a:r>
+              <a:rPr lang="en-US" dirty="0" smtClean="0"/>
+              <a:t>p= </a:t>
+            </a:r>
+            <a:r>
+              <a:rPr lang="en-US" dirty="0" err="1" smtClean="0"/>
+              <a:t>s.mean</a:t>
+            </a:r>
+            <a:r>
+              <a:rPr lang="en-US" dirty="0" smtClean="0"/>
+              <a:t>(10,20,30,40,50)</a:t>
+            </a:r>
+          </a:p>
+          <a:p>
+            <a:r>
+              <a:rPr lang="en-US" dirty="0" smtClean="0"/>
+              <a:t>print(p)</a:t>
+            </a:r>
+          </a:p>
+          <a:p>
+            <a:endParaRPr lang="en-US" dirty="0" smtClean="0"/>
+          </a:p>
+          <a:p>
+            <a:endParaRPr lang="en-US" dirty="0" smtClean="0"/>
+          </a:p>
+          <a:p>
+            <a:r>
+              <a:rPr lang="en-US" dirty="0" smtClean="0"/>
+              <a:t>c = </a:t>
+            </a:r>
+            <a:r>
+              <a:rPr lang="en-US" dirty="0" err="1" smtClean="0"/>
+              <a:t>r.median</a:t>
+            </a:r>
+            <a:r>
+              <a:rPr lang="en-US" dirty="0" smtClean="0"/>
+              <a:t>(1,3,5,6,56,6,6,6,6,6,,6,7,34,23,23,56,7,8,89,89,78,56,4,34,23,23,23,10)</a:t>
+            </a:r>
+          </a:p>
+          <a:p>
+            <a:r>
+              <a:rPr lang="en-US" dirty="0" smtClean="0"/>
+              <a:t>print(n)</a:t>
+            </a:r>
+          </a:p>
+          <a:p>
+            <a:endParaRPr lang="en-US" dirty="0" smtClean="0"/>
+          </a:p>
+          <a:p>
+            <a:r>
+              <a:rPr lang="en-US" dirty="0" smtClean="0"/>
+              <a:t>f = </a:t>
+            </a:r>
+            <a:r>
+              <a:rPr lang="en-US" dirty="0" err="1" smtClean="0"/>
+              <a:t>s.mode</a:t>
+            </a:r>
+            <a:r>
+              <a:rPr lang="en-US" dirty="0" smtClean="0"/>
+              <a:t>(1,1,4,4,6,6,7,7,7,8,8,8,9,9,9,8,7,5,56,5,7,8,8,9,3)</a:t>
+            </a:r>
+          </a:p>
+          <a:p>
+            <a:r>
+              <a:rPr lang="en-US" dirty="0" smtClean="0"/>
+              <a:t>print(f)</a:t>
+            </a:r>
+          </a:p>
+          <a:p>
+            <a:endParaRPr lang="en-US" dirty="0" smtClean="0"/>
           </a:p>
         </p:txBody>
       </p:sp>
